--- a/doc/process.pptx
+++ b/doc/process.pptx
@@ -632,7 +632,7 @@
           <a:p>
             <a:fld id="{B482A2D2-B68B-4BFB-8A8C-46B76A19F147}" type="datetimeFigureOut">
               <a:rPr lang="en-US" smtClean="0"/>
-              <a:t>11/4/2022</a:t>
+              <a:t>9/2/2023</a:t>
             </a:fld>
             <a:endParaRPr lang="en-US"/>
           </a:p>
@@ -830,7 +830,7 @@
           <a:p>
             <a:fld id="{B482A2D2-B68B-4BFB-8A8C-46B76A19F147}" type="datetimeFigureOut">
               <a:rPr lang="en-US" smtClean="0"/>
-              <a:t>11/4/2022</a:t>
+              <a:t>9/2/2023</a:t>
             </a:fld>
             <a:endParaRPr lang="en-US"/>
           </a:p>
@@ -1038,7 +1038,7 @@
           <a:p>
             <a:fld id="{B482A2D2-B68B-4BFB-8A8C-46B76A19F147}" type="datetimeFigureOut">
               <a:rPr lang="en-US" smtClean="0"/>
-              <a:t>11/4/2022</a:t>
+              <a:t>9/2/2023</a:t>
             </a:fld>
             <a:endParaRPr lang="en-US"/>
           </a:p>
@@ -1236,7 +1236,7 @@
           <a:p>
             <a:fld id="{B482A2D2-B68B-4BFB-8A8C-46B76A19F147}" type="datetimeFigureOut">
               <a:rPr lang="en-US" smtClean="0"/>
-              <a:t>11/4/2022</a:t>
+              <a:t>9/2/2023</a:t>
             </a:fld>
             <a:endParaRPr lang="en-US"/>
           </a:p>
@@ -1511,7 +1511,7 @@
           <a:p>
             <a:fld id="{B482A2D2-B68B-4BFB-8A8C-46B76A19F147}" type="datetimeFigureOut">
               <a:rPr lang="en-US" smtClean="0"/>
-              <a:t>11/4/2022</a:t>
+              <a:t>9/2/2023</a:t>
             </a:fld>
             <a:endParaRPr lang="en-US"/>
           </a:p>
@@ -1776,7 +1776,7 @@
           <a:p>
             <a:fld id="{B482A2D2-B68B-4BFB-8A8C-46B76A19F147}" type="datetimeFigureOut">
               <a:rPr lang="en-US" smtClean="0"/>
-              <a:t>11/4/2022</a:t>
+              <a:t>9/2/2023</a:t>
             </a:fld>
             <a:endParaRPr lang="en-US"/>
           </a:p>
@@ -2188,7 +2188,7 @@
           <a:p>
             <a:fld id="{B482A2D2-B68B-4BFB-8A8C-46B76A19F147}" type="datetimeFigureOut">
               <a:rPr lang="en-US" smtClean="0"/>
-              <a:t>11/4/2022</a:t>
+              <a:t>9/2/2023</a:t>
             </a:fld>
             <a:endParaRPr lang="en-US"/>
           </a:p>
@@ -2329,7 +2329,7 @@
           <a:p>
             <a:fld id="{B482A2D2-B68B-4BFB-8A8C-46B76A19F147}" type="datetimeFigureOut">
               <a:rPr lang="en-US" smtClean="0"/>
-              <a:t>11/4/2022</a:t>
+              <a:t>9/2/2023</a:t>
             </a:fld>
             <a:endParaRPr lang="en-US"/>
           </a:p>
@@ -2442,7 +2442,7 @@
           <a:p>
             <a:fld id="{B482A2D2-B68B-4BFB-8A8C-46B76A19F147}" type="datetimeFigureOut">
               <a:rPr lang="en-US" smtClean="0"/>
-              <a:t>11/4/2022</a:t>
+              <a:t>9/2/2023</a:t>
             </a:fld>
             <a:endParaRPr lang="en-US"/>
           </a:p>
@@ -2753,7 +2753,7 @@
           <a:p>
             <a:fld id="{B482A2D2-B68B-4BFB-8A8C-46B76A19F147}" type="datetimeFigureOut">
               <a:rPr lang="en-US" smtClean="0"/>
-              <a:t>11/4/2022</a:t>
+              <a:t>9/2/2023</a:t>
             </a:fld>
             <a:endParaRPr lang="en-US"/>
           </a:p>
@@ -3041,7 +3041,7 @@
           <a:p>
             <a:fld id="{B482A2D2-B68B-4BFB-8A8C-46B76A19F147}" type="datetimeFigureOut">
               <a:rPr lang="en-US" smtClean="0"/>
-              <a:t>11/4/2022</a:t>
+              <a:t>9/2/2023</a:t>
             </a:fld>
             <a:endParaRPr lang="en-US"/>
           </a:p>
@@ -3282,7 +3282,7 @@
           <a:p>
             <a:fld id="{B482A2D2-B68B-4BFB-8A8C-46B76A19F147}" type="datetimeFigureOut">
               <a:rPr lang="en-US" smtClean="0"/>
-              <a:t>11/4/2022</a:t>
+              <a:t>9/2/2023</a:t>
             </a:fld>
             <a:endParaRPr lang="en-US"/>
           </a:p>
@@ -4226,6 +4226,36 @@
           </a:p>
         </p:txBody>
       </p:sp>
+      <p:pic>
+        <p:nvPicPr>
+          <p:cNvPr id="3" name="Picture 2">
+            <a:extLst>
+              <a:ext uri="{FF2B5EF4-FFF2-40B4-BE49-F238E27FC236}">
+                <a16:creationId xmlns:a16="http://schemas.microsoft.com/office/drawing/2014/main" id="{2A911CFC-7EE5-06B2-0753-6A4B2F75445B}"/>
+              </a:ext>
+            </a:extLst>
+          </p:cNvPr>
+          <p:cNvPicPr>
+            <a:picLocks noChangeAspect="1"/>
+          </p:cNvPicPr>
+          <p:nvPr/>
+        </p:nvPicPr>
+        <p:blipFill>
+          <a:blip r:embed="rId5"/>
+          <a:stretch>
+            <a:fillRect/>
+          </a:stretch>
+        </p:blipFill>
+        <p:spPr>
+          <a:xfrm>
+            <a:off x="8138221" y="4435169"/>
+            <a:ext cx="2800741" cy="2019582"/>
+          </a:xfrm>
+          <a:prstGeom prst="rect">
+            <a:avLst/>
+          </a:prstGeom>
+        </p:spPr>
+      </p:pic>
     </p:spTree>
     <p:extLst>
       <p:ext uri="{BB962C8B-B14F-4D97-AF65-F5344CB8AC3E}">

--- a/doc/process.pptx
+++ b/doc/process.pptx
@@ -632,7 +632,7 @@
           <a:p>
             <a:fld id="{B482A2D2-B68B-4BFB-8A8C-46B76A19F147}" type="datetimeFigureOut">
               <a:rPr lang="en-US" smtClean="0"/>
-              <a:t>9/2/2023</a:t>
+              <a:t>9/23/2023</a:t>
             </a:fld>
             <a:endParaRPr lang="en-US"/>
           </a:p>
@@ -830,7 +830,7 @@
           <a:p>
             <a:fld id="{B482A2D2-B68B-4BFB-8A8C-46B76A19F147}" type="datetimeFigureOut">
               <a:rPr lang="en-US" smtClean="0"/>
-              <a:t>9/2/2023</a:t>
+              <a:t>9/23/2023</a:t>
             </a:fld>
             <a:endParaRPr lang="en-US"/>
           </a:p>
@@ -1038,7 +1038,7 @@
           <a:p>
             <a:fld id="{B482A2D2-B68B-4BFB-8A8C-46B76A19F147}" type="datetimeFigureOut">
               <a:rPr lang="en-US" smtClean="0"/>
-              <a:t>9/2/2023</a:t>
+              <a:t>9/23/2023</a:t>
             </a:fld>
             <a:endParaRPr lang="en-US"/>
           </a:p>
@@ -1236,7 +1236,7 @@
           <a:p>
             <a:fld id="{B482A2D2-B68B-4BFB-8A8C-46B76A19F147}" type="datetimeFigureOut">
               <a:rPr lang="en-US" smtClean="0"/>
-              <a:t>9/2/2023</a:t>
+              <a:t>9/23/2023</a:t>
             </a:fld>
             <a:endParaRPr lang="en-US"/>
           </a:p>
@@ -1511,7 +1511,7 @@
           <a:p>
             <a:fld id="{B482A2D2-B68B-4BFB-8A8C-46B76A19F147}" type="datetimeFigureOut">
               <a:rPr lang="en-US" smtClean="0"/>
-              <a:t>9/2/2023</a:t>
+              <a:t>9/23/2023</a:t>
             </a:fld>
             <a:endParaRPr lang="en-US"/>
           </a:p>
@@ -1776,7 +1776,7 @@
           <a:p>
             <a:fld id="{B482A2D2-B68B-4BFB-8A8C-46B76A19F147}" type="datetimeFigureOut">
               <a:rPr lang="en-US" smtClean="0"/>
-              <a:t>9/2/2023</a:t>
+              <a:t>9/23/2023</a:t>
             </a:fld>
             <a:endParaRPr lang="en-US"/>
           </a:p>
@@ -2188,7 +2188,7 @@
           <a:p>
             <a:fld id="{B482A2D2-B68B-4BFB-8A8C-46B76A19F147}" type="datetimeFigureOut">
               <a:rPr lang="en-US" smtClean="0"/>
-              <a:t>9/2/2023</a:t>
+              <a:t>9/23/2023</a:t>
             </a:fld>
             <a:endParaRPr lang="en-US"/>
           </a:p>
@@ -2329,7 +2329,7 @@
           <a:p>
             <a:fld id="{B482A2D2-B68B-4BFB-8A8C-46B76A19F147}" type="datetimeFigureOut">
               <a:rPr lang="en-US" smtClean="0"/>
-              <a:t>9/2/2023</a:t>
+              <a:t>9/23/2023</a:t>
             </a:fld>
             <a:endParaRPr lang="en-US"/>
           </a:p>
@@ -2442,7 +2442,7 @@
           <a:p>
             <a:fld id="{B482A2D2-B68B-4BFB-8A8C-46B76A19F147}" type="datetimeFigureOut">
               <a:rPr lang="en-US" smtClean="0"/>
-              <a:t>9/2/2023</a:t>
+              <a:t>9/23/2023</a:t>
             </a:fld>
             <a:endParaRPr lang="en-US"/>
           </a:p>
@@ -2753,7 +2753,7 @@
           <a:p>
             <a:fld id="{B482A2D2-B68B-4BFB-8A8C-46B76A19F147}" type="datetimeFigureOut">
               <a:rPr lang="en-US" smtClean="0"/>
-              <a:t>9/2/2023</a:t>
+              <a:t>9/23/2023</a:t>
             </a:fld>
             <a:endParaRPr lang="en-US"/>
           </a:p>
@@ -3041,7 +3041,7 @@
           <a:p>
             <a:fld id="{B482A2D2-B68B-4BFB-8A8C-46B76A19F147}" type="datetimeFigureOut">
               <a:rPr lang="en-US" smtClean="0"/>
-              <a:t>9/2/2023</a:t>
+              <a:t>9/23/2023</a:t>
             </a:fld>
             <a:endParaRPr lang="en-US"/>
           </a:p>
@@ -3282,7 +3282,7 @@
           <a:p>
             <a:fld id="{B482A2D2-B68B-4BFB-8A8C-46B76A19F147}" type="datetimeFigureOut">
               <a:rPr lang="en-US" smtClean="0"/>
-              <a:t>9/2/2023</a:t>
+              <a:t>9/23/2023</a:t>
             </a:fld>
             <a:endParaRPr lang="en-US"/>
           </a:p>
@@ -3857,7 +3857,15 @@
           <a:p>
             <a:r>
               <a:rPr lang="en-US" sz="1400" dirty="0"/>
-              <a:t>    "scenarios":  ,</a:t>
+              <a:t>    "</a:t>
+            </a:r>
+            <a:r>
+              <a:rPr lang="en-US" sz="1400" dirty="0" err="1"/>
+              <a:t>scenariolist</a:t>
+            </a:r>
+            <a:r>
+              <a:rPr lang="en-US" sz="1400" dirty="0"/>
+              <a:t>":  ,</a:t>
             </a:r>
           </a:p>
           <a:p>

--- a/doc/process.pptx
+++ b/doc/process.pptx
@@ -5,10 +5,11 @@
     <p:sldMasterId id="2147483648" r:id="rId1"/>
   </p:sldMasterIdLst>
   <p:sldIdLst>
-    <p:sldId id="256" r:id="rId2"/>
-    <p:sldId id="257" r:id="rId3"/>
-    <p:sldId id="268" r:id="rId4"/>
-    <p:sldId id="269" r:id="rId5"/>
+    <p:sldId id="270" r:id="rId2"/>
+    <p:sldId id="256" r:id="rId3"/>
+    <p:sldId id="257" r:id="rId4"/>
+    <p:sldId id="268" r:id="rId5"/>
+    <p:sldId id="269" r:id="rId6"/>
   </p:sldIdLst>
   <p:sldSz cx="12192000" cy="6858000"/>
   <p:notesSz cx="6858000" cy="9144000"/>
@@ -3701,6 +3702,108 @@
       </p:grpSpPr>
       <p:sp>
         <p:nvSpPr>
+          <p:cNvPr id="2" name="Title 1">
+            <a:extLst>
+              <a:ext uri="{FF2B5EF4-FFF2-40B4-BE49-F238E27FC236}">
+                <a16:creationId xmlns:a16="http://schemas.microsoft.com/office/drawing/2014/main" id="{A2A968FF-E760-9C15-A813-22D2C7198CE3}"/>
+              </a:ext>
+            </a:extLst>
+          </p:cNvPr>
+          <p:cNvSpPr>
+            <a:spLocks noGrp="1"/>
+          </p:cNvSpPr>
+          <p:nvPr>
+            <p:ph type="title"/>
+          </p:nvPr>
+        </p:nvSpPr>
+        <p:spPr/>
+        <p:txBody>
+          <a:bodyPr/>
+          <a:lstStyle/>
+          <a:p>
+            <a:r>
+              <a:rPr lang="en-US" dirty="0"/>
+              <a:t>ideas</a:t>
+            </a:r>
+          </a:p>
+        </p:txBody>
+      </p:sp>
+      <p:sp>
+        <p:nvSpPr>
+          <p:cNvPr id="3" name="Content Placeholder 2">
+            <a:extLst>
+              <a:ext uri="{FF2B5EF4-FFF2-40B4-BE49-F238E27FC236}">
+                <a16:creationId xmlns:a16="http://schemas.microsoft.com/office/drawing/2014/main" id="{EADE00F3-984D-6C25-ECAB-4430F8F50CCD}"/>
+              </a:ext>
+            </a:extLst>
+          </p:cNvPr>
+          <p:cNvSpPr>
+            <a:spLocks noGrp="1"/>
+          </p:cNvSpPr>
+          <p:nvPr>
+            <p:ph idx="1"/>
+          </p:nvPr>
+        </p:nvSpPr>
+        <p:spPr/>
+        <p:txBody>
+          <a:bodyPr/>
+          <a:lstStyle/>
+          <a:p>
+            <a:r>
+              <a:rPr lang="en-US" dirty="0"/>
+              <a:t>Filter </a:t>
+            </a:r>
+            <a:r>
+              <a:rPr lang="en-US" dirty="0" err="1"/>
+              <a:t>scn</a:t>
+            </a:r>
+            <a:r>
+              <a:rPr lang="en-US" dirty="0"/>
+              <a:t> list </a:t>
+            </a:r>
+            <a:r>
+              <a:rPr lang="en-US"/>
+              <a:t>by creation year </a:t>
+            </a:r>
+            <a:r>
+              <a:rPr lang="en-US" dirty="0"/>
+              <a:t>….</a:t>
+            </a:r>
+          </a:p>
+        </p:txBody>
+      </p:sp>
+    </p:spTree>
+    <p:extLst>
+      <p:ext uri="{BB962C8B-B14F-4D97-AF65-F5344CB8AC3E}">
+        <p14:creationId xmlns:p14="http://schemas.microsoft.com/office/powerpoint/2010/main" val="2891176829"/>
+      </p:ext>
+    </p:extLst>
+  </p:cSld>
+  <p:clrMapOvr>
+    <a:masterClrMapping/>
+  </p:clrMapOvr>
+</p:sld>
+</file>
+
+<file path=ppt/slides/slide2.xml><?xml version="1.0" encoding="utf-8"?>
+<p:sld xmlns:a="http://schemas.openxmlformats.org/drawingml/2006/main" xmlns:r="http://schemas.openxmlformats.org/officeDocument/2006/relationships" xmlns:p="http://schemas.openxmlformats.org/presentationml/2006/main">
+  <p:cSld>
+    <p:spTree>
+      <p:nvGrpSpPr>
+        <p:cNvPr id="1" name=""/>
+        <p:cNvGrpSpPr/>
+        <p:nvPr/>
+      </p:nvGrpSpPr>
+      <p:grpSpPr>
+        <a:xfrm>
+          <a:off x="0" y="0"/>
+          <a:ext cx="0" cy="0"/>
+          <a:chOff x="0" y="0"/>
+          <a:chExt cx="0" cy="0"/>
+        </a:xfrm>
+      </p:grpSpPr>
+      <p:sp>
+        <p:nvSpPr>
           <p:cNvPr id="5" name="TextBox 4">
             <a:extLst>
               <a:ext uri="{FF2B5EF4-FFF2-40B4-BE49-F238E27FC236}">
@@ -4277,7 +4380,7 @@
 </p:sld>
 </file>
 
-<file path=ppt/slides/slide2.xml><?xml version="1.0" encoding="utf-8"?>
+<file path=ppt/slides/slide3.xml><?xml version="1.0" encoding="utf-8"?>
 <p:sld xmlns:a="http://schemas.openxmlformats.org/drawingml/2006/main" xmlns:r="http://schemas.openxmlformats.org/officeDocument/2006/relationships" xmlns:p="http://schemas.openxmlformats.org/presentationml/2006/main">
   <p:cSld>
     <p:spTree>
@@ -4837,7 +4940,7 @@
 </p:sld>
 </file>
 
-<file path=ppt/slides/slide3.xml><?xml version="1.0" encoding="utf-8"?>
+<file path=ppt/slides/slide4.xml><?xml version="1.0" encoding="utf-8"?>
 <p:sld xmlns:a="http://schemas.openxmlformats.org/drawingml/2006/main" xmlns:r="http://schemas.openxmlformats.org/officeDocument/2006/relationships" xmlns:p="http://schemas.openxmlformats.org/presentationml/2006/main">
   <p:cSld>
     <p:spTree>
@@ -5095,7 +5198,7 @@
 </p:sld>
 </file>
 
-<file path=ppt/slides/slide4.xml><?xml version="1.0" encoding="utf-8"?>
+<file path=ppt/slides/slide5.xml><?xml version="1.0" encoding="utf-8"?>
 <p:sld xmlns:a="http://schemas.openxmlformats.org/drawingml/2006/main" xmlns:r="http://schemas.openxmlformats.org/officeDocument/2006/relationships" xmlns:p="http://schemas.openxmlformats.org/presentationml/2006/main">
   <p:cSld>
     <p:spTree>
